--- a/report.pptx
+++ b/report.pptx
@@ -7,6 +7,7 @@
   <p:sldIdLst>
     <p:sldId id="256" r:id="rId2"/>
     <p:sldId id="257" r:id="rId3"/>
+    <p:sldId id="258" r:id="rId4"/>
   </p:sldIdLst>
   <p:sldSz cx="12192000" cy="6858000"/>
   <p:notesSz cx="6858000" cy="9144000"/>
@@ -5978,7 +5979,36 @@
           <a:bodyPr/>
           <a:lstStyle/>
           <a:p>
-            <a:endParaRPr lang="zh-TW" altLang="en-US"/>
+            <a:r>
+              <a:rPr lang="zh-TW" altLang="en-US" dirty="0" smtClean="0"/>
+              <a:t>使用大量</a:t>
+            </a:r>
+            <a:r>
+              <a:rPr lang="en-US" altLang="zh-TW" dirty="0" err="1" smtClean="0"/>
+              <a:t>jquery</a:t>
+            </a:r>
+            <a:r>
+              <a:rPr lang="zh-TW" altLang="en-US" dirty="0" smtClean="0"/>
+              <a:t>動畫來為網頁潤色</a:t>
+            </a:r>
+            <a:endParaRPr lang="en-US" altLang="zh-TW" dirty="0" smtClean="0"/>
+          </a:p>
+          <a:p>
+            <a:r>
+              <a:rPr lang="zh-TW" altLang="en-US" dirty="0" smtClean="0"/>
+              <a:t>細心統整羽球相關訊息</a:t>
+            </a:r>
+            <a:endParaRPr lang="en-US" altLang="zh-TW" dirty="0" smtClean="0"/>
+          </a:p>
+          <a:p>
+            <a:r>
+              <a:rPr lang="zh-TW" altLang="en-US" dirty="0" smtClean="0"/>
+              <a:t>精美</a:t>
+            </a:r>
+            <a:r>
+              <a:rPr lang="zh-TW" altLang="en-US" dirty="0"/>
+              <a:t>插圖</a:t>
+            </a:r>
           </a:p>
         </p:txBody>
       </p:sp>
@@ -5986,6 +6016,109 @@
     <p:extLst>
       <p:ext uri="{BB962C8B-B14F-4D97-AF65-F5344CB8AC3E}">
         <p14:creationId xmlns:p14="http://schemas.microsoft.com/office/powerpoint/2010/main" val="3869055229"/>
+      </p:ext>
+    </p:extLst>
+  </p:cSld>
+  <p:clrMapOvr>
+    <a:masterClrMapping/>
+  </p:clrMapOvr>
+</p:sld>
+</file>
+
+<file path=ppt/slides/slide3.xml><?xml version="1.0" encoding="utf-8"?>
+<p:sld xmlns:a="http://schemas.openxmlformats.org/drawingml/2006/main" xmlns:r="http://schemas.openxmlformats.org/officeDocument/2006/relationships" xmlns:p="http://schemas.openxmlformats.org/presentationml/2006/main">
+  <p:cSld>
+    <p:spTree>
+      <p:nvGrpSpPr>
+        <p:cNvPr id="1" name=""/>
+        <p:cNvGrpSpPr/>
+        <p:nvPr/>
+      </p:nvGrpSpPr>
+      <p:grpSpPr>
+        <a:xfrm>
+          <a:off x="0" y="0"/>
+          <a:ext cx="0" cy="0"/>
+          <a:chOff x="0" y="0"/>
+          <a:chExt cx="0" cy="0"/>
+        </a:xfrm>
+      </p:grpSpPr>
+      <p:sp>
+        <p:nvSpPr>
+          <p:cNvPr id="2" name="標題 1"/>
+          <p:cNvSpPr>
+            <a:spLocks noGrp="1"/>
+          </p:cNvSpPr>
+          <p:nvPr>
+            <p:ph type="title"/>
+          </p:nvPr>
+        </p:nvSpPr>
+        <p:spPr/>
+        <p:txBody>
+          <a:bodyPr/>
+          <a:lstStyle/>
+          <a:p>
+            <a:pPr algn="ctr"/>
+            <a:r>
+              <a:rPr lang="zh-TW" altLang="en-US" sz="5000" b="1" dirty="0" smtClean="0"/>
+              <a:t>分工</a:t>
+            </a:r>
+            <a:endParaRPr lang="zh-TW" altLang="en-US" sz="5000" b="1" dirty="0"/>
+          </a:p>
+        </p:txBody>
+      </p:sp>
+      <p:sp>
+        <p:nvSpPr>
+          <p:cNvPr id="3" name="內容版面配置區 2"/>
+          <p:cNvSpPr>
+            <a:spLocks noGrp="1"/>
+          </p:cNvSpPr>
+          <p:nvPr>
+            <p:ph idx="1"/>
+          </p:nvPr>
+        </p:nvSpPr>
+        <p:spPr/>
+        <p:txBody>
+          <a:bodyPr/>
+          <a:lstStyle/>
+          <a:p>
+            <a:r>
+              <a:rPr lang="zh-TW" altLang="en-US" dirty="0" smtClean="0"/>
+              <a:t>程式架構</a:t>
+            </a:r>
+            <a:r>
+              <a:rPr lang="en-US" altLang="zh-TW" dirty="0" smtClean="0"/>
+              <a:t>:</a:t>
+            </a:r>
+            <a:r>
+              <a:rPr lang="zh-TW" altLang="en-US" dirty="0" smtClean="0"/>
+              <a:t>林昌德</a:t>
+            </a:r>
+            <a:endParaRPr lang="en-US" altLang="zh-TW" dirty="0" smtClean="0"/>
+          </a:p>
+          <a:p>
+            <a:r>
+              <a:rPr lang="zh-TW" altLang="en-US" dirty="0" smtClean="0"/>
+              <a:t>視覺</a:t>
+            </a:r>
+            <a:r>
+              <a:rPr lang="en-US" altLang="zh-TW" dirty="0" smtClean="0"/>
+              <a:t>:</a:t>
+            </a:r>
+            <a:r>
+              <a:rPr lang="zh-TW" altLang="en-US" dirty="0" smtClean="0"/>
+              <a:t>周</a:t>
+            </a:r>
+            <a:r>
+              <a:rPr lang="zh-TW" altLang="en-US" dirty="0"/>
+              <a:t>羿均</a:t>
+            </a:r>
+          </a:p>
+        </p:txBody>
+      </p:sp>
+    </p:spTree>
+    <p:extLst>
+      <p:ext uri="{BB962C8B-B14F-4D97-AF65-F5344CB8AC3E}">
+        <p14:creationId xmlns:p14="http://schemas.microsoft.com/office/powerpoint/2010/main" val="2792864738"/>
       </p:ext>
     </p:extLst>
   </p:cSld>

--- a/report.pptx
+++ b/report.pptx
@@ -7,7 +7,8 @@
   <p:sldIdLst>
     <p:sldId id="256" r:id="rId2"/>
     <p:sldId id="257" r:id="rId3"/>
-    <p:sldId id="258" r:id="rId4"/>
+    <p:sldId id="259" r:id="rId4"/>
+    <p:sldId id="258" r:id="rId5"/>
   </p:sldIdLst>
   <p:sldSz cx="12192000" cy="6858000"/>
   <p:notesSz cx="6858000" cy="9144000"/>
@@ -106,6 +107,11 @@
       </a:defRPr>
     </a:lvl9pPr>
   </p:defaultTextStyle>
+  <p:extLst>
+    <p:ext uri="{EFAFB233-063F-42B5-8137-9DF3F51BA10A}">
+      <p15:sldGuideLst xmlns:p15="http://schemas.microsoft.com/office/powerpoint/2012/main"/>
+    </p:ext>
+  </p:extLst>
 </p:presentation>
 </file>
 
@@ -831,7 +837,7 @@
           <a:p>
             <a:fld id="{0C19D13D-3572-4608-BC52-9A9BF1D6917D}" type="datetimeFigureOut">
               <a:rPr lang="zh-TW" altLang="en-US" smtClean="0"/>
-              <a:t>2018/6/19</a:t>
+              <a:t>2018/6/20</a:t>
             </a:fld>
             <a:endParaRPr lang="zh-TW" altLang="en-US"/>
           </a:p>
@@ -1082,7 +1088,7 @@
           <a:p>
             <a:fld id="{0C19D13D-3572-4608-BC52-9A9BF1D6917D}" type="datetimeFigureOut">
               <a:rPr lang="zh-TW" altLang="en-US" smtClean="0"/>
-              <a:t>2018/6/19</a:t>
+              <a:t>2018/6/20</a:t>
             </a:fld>
             <a:endParaRPr lang="zh-TW" altLang="en-US"/>
           </a:p>
@@ -1396,7 +1402,7 @@
           <a:p>
             <a:fld id="{0C19D13D-3572-4608-BC52-9A9BF1D6917D}" type="datetimeFigureOut">
               <a:rPr lang="zh-TW" altLang="en-US" smtClean="0"/>
-              <a:t>2018/6/19</a:t>
+              <a:t>2018/6/20</a:t>
             </a:fld>
             <a:endParaRPr lang="zh-TW" altLang="en-US"/>
           </a:p>
@@ -1737,7 +1743,7 @@
           <a:p>
             <a:fld id="{0C19D13D-3572-4608-BC52-9A9BF1D6917D}" type="datetimeFigureOut">
               <a:rPr lang="zh-TW" altLang="en-US" smtClean="0"/>
-              <a:t>2018/6/19</a:t>
+              <a:t>2018/6/20</a:t>
             </a:fld>
             <a:endParaRPr lang="zh-TW" altLang="en-US"/>
           </a:p>
@@ -2051,7 +2057,7 @@
           <a:p>
             <a:fld id="{0C19D13D-3572-4608-BC52-9A9BF1D6917D}" type="datetimeFigureOut">
               <a:rPr lang="zh-TW" altLang="en-US" smtClean="0"/>
-              <a:t>2018/6/19</a:t>
+              <a:t>2018/6/20</a:t>
             </a:fld>
             <a:endParaRPr lang="zh-TW" altLang="en-US"/>
           </a:p>
@@ -2444,7 +2450,7 @@
           <a:p>
             <a:fld id="{0C19D13D-3572-4608-BC52-9A9BF1D6917D}" type="datetimeFigureOut">
               <a:rPr lang="zh-TW" altLang="en-US" smtClean="0"/>
-              <a:t>2018/6/19</a:t>
+              <a:t>2018/6/20</a:t>
             </a:fld>
             <a:endParaRPr lang="zh-TW" altLang="en-US"/>
           </a:p>
@@ -2614,7 +2620,7 @@
           <a:p>
             <a:fld id="{0C19D13D-3572-4608-BC52-9A9BF1D6917D}" type="datetimeFigureOut">
               <a:rPr lang="zh-TW" altLang="en-US" smtClean="0"/>
-              <a:t>2018/6/19</a:t>
+              <a:t>2018/6/20</a:t>
             </a:fld>
             <a:endParaRPr lang="zh-TW" altLang="en-US"/>
           </a:p>
@@ -2794,7 +2800,7 @@
           <a:p>
             <a:fld id="{0C19D13D-3572-4608-BC52-9A9BF1D6917D}" type="datetimeFigureOut">
               <a:rPr lang="zh-TW" altLang="en-US" smtClean="0"/>
-              <a:t>2018/6/19</a:t>
+              <a:t>2018/6/20</a:t>
             </a:fld>
             <a:endParaRPr lang="zh-TW" altLang="en-US"/>
           </a:p>
@@ -2970,7 +2976,7 @@
           <a:p>
             <a:fld id="{0C19D13D-3572-4608-BC52-9A9BF1D6917D}" type="datetimeFigureOut">
               <a:rPr lang="zh-TW" altLang="en-US" smtClean="0"/>
-              <a:t>2018/6/19</a:t>
+              <a:t>2018/6/20</a:t>
             </a:fld>
             <a:endParaRPr lang="zh-TW" altLang="en-US"/>
           </a:p>
@@ -3217,7 +3223,7 @@
           <a:p>
             <a:fld id="{0C19D13D-3572-4608-BC52-9A9BF1D6917D}" type="datetimeFigureOut">
               <a:rPr lang="zh-TW" altLang="en-US" smtClean="0"/>
-              <a:t>2018/6/19</a:t>
+              <a:t>2018/6/20</a:t>
             </a:fld>
             <a:endParaRPr lang="zh-TW" altLang="en-US"/>
           </a:p>
@@ -3449,7 +3455,7 @@
           <a:p>
             <a:fld id="{0C19D13D-3572-4608-BC52-9A9BF1D6917D}" type="datetimeFigureOut">
               <a:rPr lang="zh-TW" altLang="en-US" smtClean="0"/>
-              <a:t>2018/6/19</a:t>
+              <a:t>2018/6/20</a:t>
             </a:fld>
             <a:endParaRPr lang="zh-TW" altLang="en-US"/>
           </a:p>
@@ -3823,7 +3829,7 @@
           <a:p>
             <a:fld id="{0C19D13D-3572-4608-BC52-9A9BF1D6917D}" type="datetimeFigureOut">
               <a:rPr lang="zh-TW" altLang="en-US" smtClean="0"/>
-              <a:t>2018/6/19</a:t>
+              <a:t>2018/6/20</a:t>
             </a:fld>
             <a:endParaRPr lang="zh-TW" altLang="en-US"/>
           </a:p>
@@ -3946,7 +3952,7 @@
           <a:p>
             <a:fld id="{0C19D13D-3572-4608-BC52-9A9BF1D6917D}" type="datetimeFigureOut">
               <a:rPr lang="zh-TW" altLang="en-US" smtClean="0"/>
-              <a:t>2018/6/19</a:t>
+              <a:t>2018/6/20</a:t>
             </a:fld>
             <a:endParaRPr lang="zh-TW" altLang="en-US"/>
           </a:p>
@@ -4041,7 +4047,7 @@
           <a:p>
             <a:fld id="{0C19D13D-3572-4608-BC52-9A9BF1D6917D}" type="datetimeFigureOut">
               <a:rPr lang="zh-TW" altLang="en-US" smtClean="0"/>
-              <a:t>2018/6/19</a:t>
+              <a:t>2018/6/20</a:t>
             </a:fld>
             <a:endParaRPr lang="zh-TW" altLang="en-US"/>
           </a:p>
@@ -4296,7 +4302,7 @@
           <a:p>
             <a:fld id="{0C19D13D-3572-4608-BC52-9A9BF1D6917D}" type="datetimeFigureOut">
               <a:rPr lang="zh-TW" altLang="en-US" smtClean="0"/>
-              <a:t>2018/6/19</a:t>
+              <a:t>2018/6/20</a:t>
             </a:fld>
             <a:endParaRPr lang="zh-TW" altLang="en-US"/>
           </a:p>
@@ -4559,7 +4565,7 @@
           <a:p>
             <a:fld id="{0C19D13D-3572-4608-BC52-9A9BF1D6917D}" type="datetimeFigureOut">
               <a:rPr lang="zh-TW" altLang="en-US" smtClean="0"/>
-              <a:t>2018/6/19</a:t>
+              <a:t>2018/6/20</a:t>
             </a:fld>
             <a:endParaRPr lang="zh-TW" altLang="en-US"/>
           </a:p>
@@ -5302,7 +5308,7 @@
           <a:p>
             <a:fld id="{0C19D13D-3572-4608-BC52-9A9BF1D6917D}" type="datetimeFigureOut">
               <a:rPr lang="zh-TW" altLang="en-US" smtClean="0"/>
-              <a:t>2018/6/19</a:t>
+              <a:t>2018/6/20</a:t>
             </a:fld>
             <a:endParaRPr lang="zh-TW" altLang="en-US"/>
           </a:p>
@@ -5979,36 +5985,27 @@
           <a:bodyPr/>
           <a:lstStyle/>
           <a:p>
+            <a:pPr marL="0" indent="0">
+              <a:buNone/>
+            </a:pPr>
+            <a:endParaRPr lang="en-US" altLang="zh-TW" dirty="0"/>
+          </a:p>
+          <a:p>
             <a:r>
               <a:rPr lang="zh-TW" altLang="en-US" dirty="0" smtClean="0"/>
-              <a:t>使用大量</a:t>
-            </a:r>
-            <a:r>
-              <a:rPr lang="en-US" altLang="zh-TW" dirty="0" err="1" smtClean="0"/>
-              <a:t>jquery</a:t>
-            </a:r>
-            <a:r>
-              <a:rPr lang="zh-TW" altLang="en-US" dirty="0" smtClean="0"/>
-              <a:t>動畫來為網頁潤色</a:t>
+              <a:t>精美插圖</a:t>
             </a:r>
             <a:endParaRPr lang="en-US" altLang="zh-TW" dirty="0" smtClean="0"/>
           </a:p>
           <a:p>
             <a:r>
-              <a:rPr lang="zh-TW" altLang="en-US" dirty="0" smtClean="0"/>
+              <a:rPr lang="zh-TW" altLang="en-US" dirty="0"/>
               <a:t>細心統整羽球相關訊息</a:t>
             </a:r>
-            <a:endParaRPr lang="en-US" altLang="zh-TW" dirty="0" smtClean="0"/>
-          </a:p>
-          <a:p>
-            <a:r>
-              <a:rPr lang="zh-TW" altLang="en-US" dirty="0" smtClean="0"/>
-              <a:t>精美</a:t>
-            </a:r>
-            <a:r>
-              <a:rPr lang="zh-TW" altLang="en-US" dirty="0"/>
-              <a:t>插圖</a:t>
-            </a:r>
+            <a:endParaRPr lang="en-US" altLang="zh-TW"/>
+          </a:p>
+          <a:p>
+            <a:endParaRPr lang="zh-TW" altLang="en-US" dirty="0"/>
           </a:p>
         </p:txBody>
       </p:sp>
@@ -6026,6 +6023,77 @@
 </file>
 
 <file path=ppt/slides/slide3.xml><?xml version="1.0" encoding="utf-8"?>
+<p:sld xmlns:a="http://schemas.openxmlformats.org/drawingml/2006/main" xmlns:r="http://schemas.openxmlformats.org/officeDocument/2006/relationships" xmlns:p="http://schemas.openxmlformats.org/presentationml/2006/main">
+  <p:cSld>
+    <p:spTree>
+      <p:nvGrpSpPr>
+        <p:cNvPr id="1" name=""/>
+        <p:cNvGrpSpPr/>
+        <p:nvPr/>
+      </p:nvGrpSpPr>
+      <p:grpSpPr>
+        <a:xfrm>
+          <a:off x="0" y="0"/>
+          <a:ext cx="0" cy="0"/>
+          <a:chOff x="0" y="0"/>
+          <a:chExt cx="0" cy="0"/>
+        </a:xfrm>
+      </p:grpSpPr>
+      <p:sp>
+        <p:nvSpPr>
+          <p:cNvPr id="2" name="標題 1"/>
+          <p:cNvSpPr>
+            <a:spLocks noGrp="1"/>
+          </p:cNvSpPr>
+          <p:nvPr>
+            <p:ph type="title"/>
+          </p:nvPr>
+        </p:nvSpPr>
+        <p:spPr/>
+        <p:txBody>
+          <a:bodyPr>
+            <a:normAutofit/>
+          </a:bodyPr>
+          <a:lstStyle/>
+          <a:p>
+            <a:pPr algn="ctr"/>
+            <a:endParaRPr lang="zh-TW" altLang="en-US" sz="5000" b="1" dirty="0"/>
+          </a:p>
+        </p:txBody>
+      </p:sp>
+      <p:sp>
+        <p:nvSpPr>
+          <p:cNvPr id="3" name="內容版面配置區 2"/>
+          <p:cNvSpPr>
+            <a:spLocks noGrp="1"/>
+          </p:cNvSpPr>
+          <p:nvPr>
+            <p:ph idx="1"/>
+          </p:nvPr>
+        </p:nvSpPr>
+        <p:spPr/>
+        <p:txBody>
+          <a:bodyPr/>
+          <a:lstStyle/>
+          <a:p>
+            <a:endParaRPr lang="zh-TW" altLang="en-US"/>
+          </a:p>
+        </p:txBody>
+      </p:sp>
+    </p:spTree>
+    <p:extLst>
+      <p:ext uri="{BB962C8B-B14F-4D97-AF65-F5344CB8AC3E}">
+        <p14:creationId xmlns:p14="http://schemas.microsoft.com/office/powerpoint/2010/main" val="2799727848"/>
+      </p:ext>
+    </p:extLst>
+  </p:cSld>
+  <p:clrMapOvr>
+    <a:masterClrMapping/>
+  </p:clrMapOvr>
+</p:sld>
+</file>
+
+<file path=ppt/slides/slide4.xml><?xml version="1.0" encoding="utf-8"?>
 <p:sld xmlns:a="http://schemas.openxmlformats.org/drawingml/2006/main" xmlns:r="http://schemas.openxmlformats.org/officeDocument/2006/relationships" xmlns:p="http://schemas.openxmlformats.org/presentationml/2006/main">
   <p:cSld>
     <p:spTree>

--- a/report.pptx
+++ b/report.pptx
@@ -6002,7 +6002,7 @@
               <a:rPr lang="zh-TW" altLang="en-US" dirty="0"/>
               <a:t>細心統整羽球相關訊息</a:t>
             </a:r>
-            <a:endParaRPr lang="en-US" altLang="zh-TW"/>
+            <a:endParaRPr lang="en-US" altLang="zh-TW" dirty="0"/>
           </a:p>
           <a:p>
             <a:endParaRPr lang="zh-TW" altLang="en-US" dirty="0"/>
@@ -6057,6 +6057,10 @@
           <a:lstStyle/>
           <a:p>
             <a:pPr algn="ctr"/>
+            <a:r>
+              <a:rPr lang="zh-TW" altLang="en-US" sz="5000" b="1" dirty="0"/>
+              <a:t>技術</a:t>
+            </a:r>
             <a:endParaRPr lang="zh-TW" altLang="en-US" sz="5000" b="1" dirty="0"/>
           </a:p>
         </p:txBody>
@@ -6076,6 +6080,38 @@
           <a:bodyPr/>
           <a:lstStyle/>
           <a:p>
+            <a:pPr algn="ctr"/>
+            <a:r>
+              <a:rPr lang="en-US" altLang="zh-TW" dirty="0" err="1" smtClean="0"/>
+              <a:t>Jquery</a:t>
+            </a:r>
+            <a:endParaRPr lang="en-US" altLang="zh-TW" dirty="0" smtClean="0"/>
+          </a:p>
+          <a:p>
+            <a:pPr algn="ctr"/>
+            <a:r>
+              <a:rPr lang="en-US" altLang="zh-TW" dirty="0" smtClean="0"/>
+              <a:t>Html</a:t>
+            </a:r>
+          </a:p>
+          <a:p>
+            <a:pPr algn="ctr"/>
+            <a:r>
+              <a:rPr lang="en-US" altLang="zh-TW" dirty="0" err="1" smtClean="0"/>
+              <a:t>Css</a:t>
+            </a:r>
+            <a:endParaRPr lang="en-US" altLang="zh-TW" dirty="0" smtClean="0"/>
+          </a:p>
+          <a:p>
+            <a:pPr algn="ctr"/>
+            <a:r>
+              <a:rPr lang="en-US" altLang="zh-TW" dirty="0" err="1" smtClean="0"/>
+              <a:t>Javascript</a:t>
+            </a:r>
+            <a:endParaRPr lang="en-US" altLang="zh-TW" smtClean="0"/>
+          </a:p>
+          <a:p>
+            <a:pPr algn="ctr"/>
             <a:endParaRPr lang="zh-TW" altLang="en-US"/>
           </a:p>
         </p:txBody>

--- a/report.pptx
+++ b/report.pptx
@@ -5872,18 +5872,6 @@
           </a:bodyPr>
           <a:lstStyle/>
           <a:p>
-            <a:r>
-              <a:rPr lang="zh-TW" altLang="en-US" dirty="0" smtClean="0"/>
-              <a:t>教授</a:t>
-            </a:r>
-            <a:r>
-              <a:rPr lang="en-US" altLang="zh-TW" dirty="0" smtClean="0"/>
-              <a:t>:</a:t>
-            </a:r>
-            <a:r>
-              <a:rPr lang="zh-TW" altLang="en-US" dirty="0" smtClean="0"/>
-              <a:t>馬尚彬</a:t>
-            </a:r>
             <a:endParaRPr lang="en-US" altLang="zh-TW" dirty="0" smtClean="0"/>
           </a:p>
           <a:p>
@@ -6061,7 +6049,6 @@
               <a:rPr lang="zh-TW" altLang="en-US" sz="5000" b="1" dirty="0"/>
               <a:t>技術</a:t>
             </a:r>
-            <a:endParaRPr lang="zh-TW" altLang="en-US" sz="5000" b="1" dirty="0"/>
           </a:p>
         </p:txBody>
       </p:sp>

--- a/report.pptx
+++ b/report.pptx
@@ -6077,15 +6077,8 @@
           <a:p>
             <a:pPr algn="ctr"/>
             <a:r>
-              <a:rPr lang="en-US" altLang="zh-TW" dirty="0" smtClean="0"/>
+              <a:rPr lang="en-US" altLang="zh-TW" smtClean="0"/>
               <a:t>Html</a:t>
-            </a:r>
-          </a:p>
-          <a:p>
-            <a:pPr algn="ctr"/>
-            <a:r>
-              <a:rPr lang="en-US" altLang="zh-TW" dirty="0" err="1" smtClean="0"/>
-              <a:t>Css</a:t>
             </a:r>
             <a:endParaRPr lang="en-US" altLang="zh-TW" dirty="0" smtClean="0"/>
           </a:p>
@@ -6095,11 +6088,11 @@
               <a:rPr lang="en-US" altLang="zh-TW" dirty="0" err="1" smtClean="0"/>
               <a:t>Javascript</a:t>
             </a:r>
-            <a:endParaRPr lang="en-US" altLang="zh-TW" smtClean="0"/>
+            <a:endParaRPr lang="en-US" altLang="zh-TW" dirty="0" smtClean="0"/>
           </a:p>
           <a:p>
             <a:pPr algn="ctr"/>
-            <a:endParaRPr lang="zh-TW" altLang="en-US"/>
+            <a:endParaRPr lang="zh-TW" altLang="en-US" dirty="0"/>
           </a:p>
         </p:txBody>
       </p:sp>

--- a/report.pptx
+++ b/report.pptx
@@ -837,7 +837,7 @@
           <a:p>
             <a:fld id="{0C19D13D-3572-4608-BC52-9A9BF1D6917D}" type="datetimeFigureOut">
               <a:rPr lang="zh-TW" altLang="en-US" smtClean="0"/>
-              <a:t>2018/6/20</a:t>
+              <a:t>2018/6/28</a:t>
             </a:fld>
             <a:endParaRPr lang="zh-TW" altLang="en-US"/>
           </a:p>
@@ -1088,7 +1088,7 @@
           <a:p>
             <a:fld id="{0C19D13D-3572-4608-BC52-9A9BF1D6917D}" type="datetimeFigureOut">
               <a:rPr lang="zh-TW" altLang="en-US" smtClean="0"/>
-              <a:t>2018/6/20</a:t>
+              <a:t>2018/6/28</a:t>
             </a:fld>
             <a:endParaRPr lang="zh-TW" altLang="en-US"/>
           </a:p>
@@ -1402,7 +1402,7 @@
           <a:p>
             <a:fld id="{0C19D13D-3572-4608-BC52-9A9BF1D6917D}" type="datetimeFigureOut">
               <a:rPr lang="zh-TW" altLang="en-US" smtClean="0"/>
-              <a:t>2018/6/20</a:t>
+              <a:t>2018/6/28</a:t>
             </a:fld>
             <a:endParaRPr lang="zh-TW" altLang="en-US"/>
           </a:p>
@@ -1743,7 +1743,7 @@
           <a:p>
             <a:fld id="{0C19D13D-3572-4608-BC52-9A9BF1D6917D}" type="datetimeFigureOut">
               <a:rPr lang="zh-TW" altLang="en-US" smtClean="0"/>
-              <a:t>2018/6/20</a:t>
+              <a:t>2018/6/28</a:t>
             </a:fld>
             <a:endParaRPr lang="zh-TW" altLang="en-US"/>
           </a:p>
@@ -2057,7 +2057,7 @@
           <a:p>
             <a:fld id="{0C19D13D-3572-4608-BC52-9A9BF1D6917D}" type="datetimeFigureOut">
               <a:rPr lang="zh-TW" altLang="en-US" smtClean="0"/>
-              <a:t>2018/6/20</a:t>
+              <a:t>2018/6/28</a:t>
             </a:fld>
             <a:endParaRPr lang="zh-TW" altLang="en-US"/>
           </a:p>
@@ -2450,7 +2450,7 @@
           <a:p>
             <a:fld id="{0C19D13D-3572-4608-BC52-9A9BF1D6917D}" type="datetimeFigureOut">
               <a:rPr lang="zh-TW" altLang="en-US" smtClean="0"/>
-              <a:t>2018/6/20</a:t>
+              <a:t>2018/6/28</a:t>
             </a:fld>
             <a:endParaRPr lang="zh-TW" altLang="en-US"/>
           </a:p>
@@ -2620,7 +2620,7 @@
           <a:p>
             <a:fld id="{0C19D13D-3572-4608-BC52-9A9BF1D6917D}" type="datetimeFigureOut">
               <a:rPr lang="zh-TW" altLang="en-US" smtClean="0"/>
-              <a:t>2018/6/20</a:t>
+              <a:t>2018/6/28</a:t>
             </a:fld>
             <a:endParaRPr lang="zh-TW" altLang="en-US"/>
           </a:p>
@@ -2800,7 +2800,7 @@
           <a:p>
             <a:fld id="{0C19D13D-3572-4608-BC52-9A9BF1D6917D}" type="datetimeFigureOut">
               <a:rPr lang="zh-TW" altLang="en-US" smtClean="0"/>
-              <a:t>2018/6/20</a:t>
+              <a:t>2018/6/28</a:t>
             </a:fld>
             <a:endParaRPr lang="zh-TW" altLang="en-US"/>
           </a:p>
@@ -2976,7 +2976,7 @@
           <a:p>
             <a:fld id="{0C19D13D-3572-4608-BC52-9A9BF1D6917D}" type="datetimeFigureOut">
               <a:rPr lang="zh-TW" altLang="en-US" smtClean="0"/>
-              <a:t>2018/6/20</a:t>
+              <a:t>2018/6/28</a:t>
             </a:fld>
             <a:endParaRPr lang="zh-TW" altLang="en-US"/>
           </a:p>
@@ -3223,7 +3223,7 @@
           <a:p>
             <a:fld id="{0C19D13D-3572-4608-BC52-9A9BF1D6917D}" type="datetimeFigureOut">
               <a:rPr lang="zh-TW" altLang="en-US" smtClean="0"/>
-              <a:t>2018/6/20</a:t>
+              <a:t>2018/6/28</a:t>
             </a:fld>
             <a:endParaRPr lang="zh-TW" altLang="en-US"/>
           </a:p>
@@ -3455,7 +3455,7 @@
           <a:p>
             <a:fld id="{0C19D13D-3572-4608-BC52-9A9BF1D6917D}" type="datetimeFigureOut">
               <a:rPr lang="zh-TW" altLang="en-US" smtClean="0"/>
-              <a:t>2018/6/20</a:t>
+              <a:t>2018/6/28</a:t>
             </a:fld>
             <a:endParaRPr lang="zh-TW" altLang="en-US"/>
           </a:p>
@@ -3829,7 +3829,7 @@
           <a:p>
             <a:fld id="{0C19D13D-3572-4608-BC52-9A9BF1D6917D}" type="datetimeFigureOut">
               <a:rPr lang="zh-TW" altLang="en-US" smtClean="0"/>
-              <a:t>2018/6/20</a:t>
+              <a:t>2018/6/28</a:t>
             </a:fld>
             <a:endParaRPr lang="zh-TW" altLang="en-US"/>
           </a:p>
@@ -3952,7 +3952,7 @@
           <a:p>
             <a:fld id="{0C19D13D-3572-4608-BC52-9A9BF1D6917D}" type="datetimeFigureOut">
               <a:rPr lang="zh-TW" altLang="en-US" smtClean="0"/>
-              <a:t>2018/6/20</a:t>
+              <a:t>2018/6/28</a:t>
             </a:fld>
             <a:endParaRPr lang="zh-TW" altLang="en-US"/>
           </a:p>
@@ -4047,7 +4047,7 @@
           <a:p>
             <a:fld id="{0C19D13D-3572-4608-BC52-9A9BF1D6917D}" type="datetimeFigureOut">
               <a:rPr lang="zh-TW" altLang="en-US" smtClean="0"/>
-              <a:t>2018/6/20</a:t>
+              <a:t>2018/6/28</a:t>
             </a:fld>
             <a:endParaRPr lang="zh-TW" altLang="en-US"/>
           </a:p>
@@ -4302,7 +4302,7 @@
           <a:p>
             <a:fld id="{0C19D13D-3572-4608-BC52-9A9BF1D6917D}" type="datetimeFigureOut">
               <a:rPr lang="zh-TW" altLang="en-US" smtClean="0"/>
-              <a:t>2018/6/20</a:t>
+              <a:t>2018/6/28</a:t>
             </a:fld>
             <a:endParaRPr lang="zh-TW" altLang="en-US"/>
           </a:p>
@@ -4565,7 +4565,7 @@
           <a:p>
             <a:fld id="{0C19D13D-3572-4608-BC52-9A9BF1D6917D}" type="datetimeFigureOut">
               <a:rPr lang="zh-TW" altLang="en-US" smtClean="0"/>
-              <a:t>2018/6/20</a:t>
+              <a:t>2018/6/28</a:t>
             </a:fld>
             <a:endParaRPr lang="zh-TW" altLang="en-US"/>
           </a:p>
@@ -5308,7 +5308,7 @@
           <a:p>
             <a:fld id="{0C19D13D-3572-4608-BC52-9A9BF1D6917D}" type="datetimeFigureOut">
               <a:rPr lang="zh-TW" altLang="en-US" smtClean="0"/>
-              <a:t>2018/6/20</a:t>
+              <a:t>2018/6/28</a:t>
             </a:fld>
             <a:endParaRPr lang="zh-TW" altLang="en-US"/>
           </a:p>
@@ -6069,18 +6069,43 @@
           <a:p>
             <a:pPr algn="ctr"/>
             <a:r>
+              <a:rPr lang="en-US" altLang="zh-TW" dirty="0" smtClean="0"/>
+              <a:t>Reveal.js</a:t>
+            </a:r>
+          </a:p>
+          <a:p>
+            <a:pPr algn="ctr"/>
+            <a:r>
               <a:rPr lang="en-US" altLang="zh-TW" dirty="0" err="1" smtClean="0"/>
+              <a:t>amchart</a:t>
+            </a:r>
+            <a:endParaRPr lang="en-US" altLang="zh-TW" dirty="0" smtClean="0"/>
+          </a:p>
+          <a:p>
+            <a:pPr algn="ctr"/>
+            <a:r>
+              <a:rPr lang="en-US" altLang="zh-TW" dirty="0" err="1" smtClean="0"/>
+              <a:t>Parallex</a:t>
+            </a:r>
+            <a:r>
+              <a:rPr lang="en-US" altLang="zh-TW" dirty="0" smtClean="0"/>
+              <a:t> scrolling</a:t>
+            </a:r>
+          </a:p>
+          <a:p>
+            <a:pPr algn="ctr"/>
+            <a:r>
+              <a:rPr lang="en-US" altLang="zh-TW" dirty="0"/>
+              <a:t>HTML</a:t>
+            </a:r>
+          </a:p>
+          <a:p>
+            <a:pPr algn="ctr"/>
+            <a:r>
+              <a:rPr lang="en-US" altLang="zh-TW" dirty="0" err="1"/>
               <a:t>Jquery</a:t>
             </a:r>
-            <a:endParaRPr lang="en-US" altLang="zh-TW" dirty="0" smtClean="0"/>
-          </a:p>
-          <a:p>
-            <a:pPr algn="ctr"/>
-            <a:r>
-              <a:rPr lang="en-US" altLang="zh-TW" smtClean="0"/>
-              <a:t>Html</a:t>
-            </a:r>
-            <a:endParaRPr lang="en-US" altLang="zh-TW" dirty="0" smtClean="0"/>
+            <a:endParaRPr lang="en-US" altLang="zh-TW" dirty="0"/>
           </a:p>
           <a:p>
             <a:pPr algn="ctr"/>
@@ -6088,6 +6113,12 @@
               <a:rPr lang="en-US" altLang="zh-TW" dirty="0" err="1" smtClean="0"/>
               <a:t>Javascript</a:t>
             </a:r>
+            <a:endParaRPr lang="en-US" altLang="zh-TW" smtClean="0"/>
+          </a:p>
+          <a:p>
+            <a:pPr marL="0" indent="0" algn="ctr">
+              <a:buNone/>
+            </a:pPr>
             <a:endParaRPr lang="en-US" altLang="zh-TW" dirty="0" smtClean="0"/>
           </a:p>
           <a:p>
